--- a/Clase 3/Clase3.pptx
+++ b/Clase 3/Clase3.pptx
@@ -5537,7 +5537,7 @@
           <a:p>
             <a:fld id="{C067868D-83B4-4CE3-8B5A-5A84B6388E5A}" type="datetimeFigureOut">
               <a:rPr lang="es-CR" smtClean="0"/>
-              <a:t>9/2/2017</a:t>
+              <a:t>10/2/2017</a:t>
             </a:fld>
             <a:endParaRPr lang="es-CR"/>
           </a:p>
@@ -10013,7 +10013,7 @@
                   <a:srgbClr val="0000FF"/>
                 </a:solidFill>
               </a:rPr>
-              <a:t>ON cuentas de </a:t>
+              <a:t>ON cuentas to </a:t>
             </a:r>
             <a:r>
               <a:rPr lang="es-419" sz="1800" dirty="0">
